--- a/doc/paper/figures/figure gallary.pptx
+++ b/doc/paper/figures/figure gallary.pptx
@@ -6,6 +6,7 @@
   </p:sldMasterIdLst>
   <p:sldIdLst>
     <p:sldId id="256" r:id="rId2"/>
+    <p:sldId id="257" r:id="rId3"/>
   </p:sldIdLst>
   <p:sldSz cx="9144000" cy="6858000" type="screen4x3"/>
   <p:notesSz cx="6858000" cy="9144000"/>
@@ -288,7 +289,7 @@
           <a:p>
             <a:fld id="{15400A72-DFD2-CB49-880C-032838D26750}" type="datetimeFigureOut">
               <a:rPr lang="en-US" smtClean="0"/>
-              <a:t>5/11/14</a:t>
+              <a:t>5/11/2014</a:t>
             </a:fld>
             <a:endParaRPr lang="en-US"/>
           </a:p>
@@ -458,7 +459,7 @@
           <a:p>
             <a:fld id="{15400A72-DFD2-CB49-880C-032838D26750}" type="datetimeFigureOut">
               <a:rPr lang="en-US" smtClean="0"/>
-              <a:t>5/11/14</a:t>
+              <a:t>5/11/2014</a:t>
             </a:fld>
             <a:endParaRPr lang="en-US"/>
           </a:p>
@@ -638,7 +639,7 @@
           <a:p>
             <a:fld id="{15400A72-DFD2-CB49-880C-032838D26750}" type="datetimeFigureOut">
               <a:rPr lang="en-US" smtClean="0"/>
-              <a:t>5/11/14</a:t>
+              <a:t>5/11/2014</a:t>
             </a:fld>
             <a:endParaRPr lang="en-US"/>
           </a:p>
@@ -808,7 +809,7 @@
           <a:p>
             <a:fld id="{15400A72-DFD2-CB49-880C-032838D26750}" type="datetimeFigureOut">
               <a:rPr lang="en-US" smtClean="0"/>
-              <a:t>5/11/14</a:t>
+              <a:t>5/11/2014</a:t>
             </a:fld>
             <a:endParaRPr lang="en-US"/>
           </a:p>
@@ -1054,7 +1055,7 @@
           <a:p>
             <a:fld id="{15400A72-DFD2-CB49-880C-032838D26750}" type="datetimeFigureOut">
               <a:rPr lang="en-US" smtClean="0"/>
-              <a:t>5/11/14</a:t>
+              <a:t>5/11/2014</a:t>
             </a:fld>
             <a:endParaRPr lang="en-US"/>
           </a:p>
@@ -1342,7 +1343,7 @@
           <a:p>
             <a:fld id="{15400A72-DFD2-CB49-880C-032838D26750}" type="datetimeFigureOut">
               <a:rPr lang="en-US" smtClean="0"/>
-              <a:t>5/11/14</a:t>
+              <a:t>5/11/2014</a:t>
             </a:fld>
             <a:endParaRPr lang="en-US"/>
           </a:p>
@@ -1764,7 +1765,7 @@
           <a:p>
             <a:fld id="{15400A72-DFD2-CB49-880C-032838D26750}" type="datetimeFigureOut">
               <a:rPr lang="en-US" smtClean="0"/>
-              <a:t>5/11/14</a:t>
+              <a:t>5/11/2014</a:t>
             </a:fld>
             <a:endParaRPr lang="en-US"/>
           </a:p>
@@ -1882,7 +1883,7 @@
           <a:p>
             <a:fld id="{15400A72-DFD2-CB49-880C-032838D26750}" type="datetimeFigureOut">
               <a:rPr lang="en-US" smtClean="0"/>
-              <a:t>5/11/14</a:t>
+              <a:t>5/11/2014</a:t>
             </a:fld>
             <a:endParaRPr lang="en-US"/>
           </a:p>
@@ -1977,7 +1978,7 @@
           <a:p>
             <a:fld id="{15400A72-DFD2-CB49-880C-032838D26750}" type="datetimeFigureOut">
               <a:rPr lang="en-US" smtClean="0"/>
-              <a:t>5/11/14</a:t>
+              <a:t>5/11/2014</a:t>
             </a:fld>
             <a:endParaRPr lang="en-US"/>
           </a:p>
@@ -2254,7 +2255,7 @@
           <a:p>
             <a:fld id="{15400A72-DFD2-CB49-880C-032838D26750}" type="datetimeFigureOut">
               <a:rPr lang="en-US" smtClean="0"/>
-              <a:t>5/11/14</a:t>
+              <a:t>5/11/2014</a:t>
             </a:fld>
             <a:endParaRPr lang="en-US"/>
           </a:p>
@@ -2507,7 +2508,7 @@
           <a:p>
             <a:fld id="{15400A72-DFD2-CB49-880C-032838D26750}" type="datetimeFigureOut">
               <a:rPr lang="en-US" smtClean="0"/>
-              <a:t>5/11/14</a:t>
+              <a:t>5/11/2014</a:t>
             </a:fld>
             <a:endParaRPr lang="en-US"/>
           </a:p>
@@ -2720,7 +2721,7 @@
           <a:p>
             <a:fld id="{15400A72-DFD2-CB49-880C-032838D26750}" type="datetimeFigureOut">
               <a:rPr lang="en-US" smtClean="0"/>
-              <a:t>5/11/14</a:t>
+              <a:t>5/11/2014</a:t>
             </a:fld>
             <a:endParaRPr lang="en-US"/>
           </a:p>
@@ -3171,6 +3172,856 @@
     <p:extLst>
       <p:ext uri="{BB962C8B-B14F-4D97-AF65-F5344CB8AC3E}">
         <p14:creationId xmlns:p14="http://schemas.microsoft.com/office/powerpoint/2010/main" val="2458015016"/>
+      </p:ext>
+    </p:extLst>
+  </p:cSld>
+  <p:clrMapOvr>
+    <a:masterClrMapping/>
+  </p:clrMapOvr>
+</p:sld>
+</file>
+
+<file path=ppt/slides/slide2.xml><?xml version="1.0" encoding="utf-8"?>
+<p:sld xmlns:a="http://schemas.openxmlformats.org/drawingml/2006/main" xmlns:r="http://schemas.openxmlformats.org/officeDocument/2006/relationships" xmlns:p="http://schemas.openxmlformats.org/presentationml/2006/main">
+  <p:cSld>
+    <p:spTree>
+      <p:nvGrpSpPr>
+        <p:cNvPr id="1" name=""/>
+        <p:cNvGrpSpPr/>
+        <p:nvPr/>
+      </p:nvGrpSpPr>
+      <p:grpSpPr>
+        <a:xfrm>
+          <a:off x="0" y="0"/>
+          <a:ext cx="0" cy="0"/>
+          <a:chOff x="0" y="0"/>
+          <a:chExt cx="0" cy="0"/>
+        </a:xfrm>
+      </p:grpSpPr>
+      <p:sp>
+        <p:nvSpPr>
+          <p:cNvPr id="4" name="Oval 3"/>
+          <p:cNvSpPr/>
+          <p:nvPr/>
+        </p:nvSpPr>
+        <p:spPr>
+          <a:xfrm>
+            <a:off x="1828800" y="1981200"/>
+            <a:ext cx="457200" cy="457200"/>
+          </a:xfrm>
+          <a:prstGeom prst="ellipse">
+            <a:avLst/>
+          </a:prstGeom>
+          <a:ln/>
+        </p:spPr>
+        <p:style>
+          <a:lnRef idx="1">
+            <a:schemeClr val="accent1"/>
+          </a:lnRef>
+          <a:fillRef idx="3">
+            <a:schemeClr val="accent1"/>
+          </a:fillRef>
+          <a:effectRef idx="2">
+            <a:schemeClr val="accent1"/>
+          </a:effectRef>
+          <a:fontRef idx="minor">
+            <a:schemeClr val="lt1"/>
+          </a:fontRef>
+        </p:style>
+        <p:txBody>
+          <a:bodyPr rtlCol="0" anchor="ctr"/>
+          <a:lstStyle/>
+          <a:p>
+            <a:pPr algn="ctr"/>
+            <a:endParaRPr lang="en-US"/>
+          </a:p>
+        </p:txBody>
+      </p:sp>
+      <p:cxnSp>
+        <p:nvCxnSpPr>
+          <p:cNvPr id="5" name="Straight Arrow Connector 4"/>
+          <p:cNvCxnSpPr>
+            <a:endCxn id="4" idx="4"/>
+          </p:cNvCxnSpPr>
+          <p:nvPr/>
+        </p:nvCxnSpPr>
+        <p:spPr>
+          <a:xfrm flipV="1">
+            <a:off x="2057400" y="2438400"/>
+            <a:ext cx="0" cy="1066800"/>
+          </a:xfrm>
+          <a:prstGeom prst="straightConnector1">
+            <a:avLst/>
+          </a:prstGeom>
+          <a:ln>
+            <a:tailEnd type="arrow"/>
+          </a:ln>
+        </p:spPr>
+        <p:style>
+          <a:lnRef idx="2">
+            <a:schemeClr val="accent3"/>
+          </a:lnRef>
+          <a:fillRef idx="0">
+            <a:schemeClr val="accent3"/>
+          </a:fillRef>
+          <a:effectRef idx="1">
+            <a:schemeClr val="accent3"/>
+          </a:effectRef>
+          <a:fontRef idx="minor">
+            <a:schemeClr val="tx1"/>
+          </a:fontRef>
+        </p:style>
+      </p:cxnSp>
+      <p:sp>
+        <p:nvSpPr>
+          <p:cNvPr id="6" name="Oval 5"/>
+          <p:cNvSpPr/>
+          <p:nvPr/>
+        </p:nvSpPr>
+        <p:spPr>
+          <a:xfrm>
+            <a:off x="1828800" y="3505200"/>
+            <a:ext cx="457200" cy="457200"/>
+          </a:xfrm>
+          <a:prstGeom prst="ellipse">
+            <a:avLst/>
+          </a:prstGeom>
+          <a:ln>
+            <a:noFill/>
+          </a:ln>
+        </p:spPr>
+        <p:style>
+          <a:lnRef idx="1">
+            <a:schemeClr val="accent1"/>
+          </a:lnRef>
+          <a:fillRef idx="3">
+            <a:schemeClr val="accent1"/>
+          </a:fillRef>
+          <a:effectRef idx="2">
+            <a:schemeClr val="accent1"/>
+          </a:effectRef>
+          <a:fontRef idx="minor">
+            <a:schemeClr val="lt1"/>
+          </a:fontRef>
+        </p:style>
+        <p:txBody>
+          <a:bodyPr rtlCol="0" anchor="ctr"/>
+          <a:lstStyle/>
+          <a:p>
+            <a:pPr algn="ctr"/>
+            <a:endParaRPr lang="en-US"/>
+          </a:p>
+        </p:txBody>
+      </p:sp>
+      <p:sp>
+        <p:nvSpPr>
+          <p:cNvPr id="7" name="Oval 6"/>
+          <p:cNvSpPr/>
+          <p:nvPr/>
+        </p:nvSpPr>
+        <p:spPr>
+          <a:xfrm>
+            <a:off x="3352800" y="1988129"/>
+            <a:ext cx="457200" cy="457200"/>
+          </a:xfrm>
+          <a:prstGeom prst="ellipse">
+            <a:avLst/>
+          </a:prstGeom>
+          <a:ln/>
+        </p:spPr>
+        <p:style>
+          <a:lnRef idx="1">
+            <a:schemeClr val="accent1"/>
+          </a:lnRef>
+          <a:fillRef idx="3">
+            <a:schemeClr val="accent1"/>
+          </a:fillRef>
+          <a:effectRef idx="2">
+            <a:schemeClr val="accent1"/>
+          </a:effectRef>
+          <a:fontRef idx="minor">
+            <a:schemeClr val="lt1"/>
+          </a:fontRef>
+        </p:style>
+        <p:txBody>
+          <a:bodyPr rtlCol="0" anchor="ctr"/>
+          <a:lstStyle/>
+          <a:p>
+            <a:pPr algn="ctr"/>
+            <a:endParaRPr lang="en-US"/>
+          </a:p>
+        </p:txBody>
+      </p:sp>
+      <p:cxnSp>
+        <p:nvCxnSpPr>
+          <p:cNvPr id="8" name="Straight Arrow Connector 7"/>
+          <p:cNvCxnSpPr>
+            <a:stCxn id="7" idx="4"/>
+          </p:cNvCxnSpPr>
+          <p:nvPr/>
+        </p:nvCxnSpPr>
+        <p:spPr>
+          <a:xfrm>
+            <a:off x="3581400" y="2445329"/>
+            <a:ext cx="0" cy="1066800"/>
+          </a:xfrm>
+          <a:prstGeom prst="straightConnector1">
+            <a:avLst/>
+          </a:prstGeom>
+          <a:ln>
+            <a:solidFill>
+              <a:srgbClr val="7030A0"/>
+            </a:solidFill>
+            <a:tailEnd type="arrow"/>
+          </a:ln>
+        </p:spPr>
+        <p:style>
+          <a:lnRef idx="2">
+            <a:schemeClr val="accent3"/>
+          </a:lnRef>
+          <a:fillRef idx="0">
+            <a:schemeClr val="accent3"/>
+          </a:fillRef>
+          <a:effectRef idx="1">
+            <a:schemeClr val="accent3"/>
+          </a:effectRef>
+          <a:fontRef idx="minor">
+            <a:schemeClr val="tx1"/>
+          </a:fontRef>
+        </p:style>
+      </p:cxnSp>
+      <p:sp>
+        <p:nvSpPr>
+          <p:cNvPr id="9" name="Oval 8"/>
+          <p:cNvSpPr/>
+          <p:nvPr/>
+        </p:nvSpPr>
+        <p:spPr>
+          <a:xfrm>
+            <a:off x="3352800" y="3512129"/>
+            <a:ext cx="457200" cy="457200"/>
+          </a:xfrm>
+          <a:prstGeom prst="ellipse">
+            <a:avLst/>
+          </a:prstGeom>
+          <a:ln/>
+        </p:spPr>
+        <p:style>
+          <a:lnRef idx="1">
+            <a:schemeClr val="accent1"/>
+          </a:lnRef>
+          <a:fillRef idx="3">
+            <a:schemeClr val="accent1"/>
+          </a:fillRef>
+          <a:effectRef idx="2">
+            <a:schemeClr val="accent1"/>
+          </a:effectRef>
+          <a:fontRef idx="minor">
+            <a:schemeClr val="lt1"/>
+          </a:fontRef>
+        </p:style>
+        <p:txBody>
+          <a:bodyPr rtlCol="0" anchor="ctr"/>
+          <a:lstStyle/>
+          <a:p>
+            <a:pPr algn="ctr"/>
+            <a:endParaRPr lang="en-US"/>
+          </a:p>
+        </p:txBody>
+      </p:sp>
+      <p:sp>
+        <p:nvSpPr>
+          <p:cNvPr id="10" name="Oval 9"/>
+          <p:cNvSpPr/>
+          <p:nvPr/>
+        </p:nvSpPr>
+        <p:spPr>
+          <a:xfrm>
+            <a:off x="4267200" y="1988129"/>
+            <a:ext cx="457200" cy="457200"/>
+          </a:xfrm>
+          <a:prstGeom prst="ellipse">
+            <a:avLst/>
+          </a:prstGeom>
+          <a:ln/>
+        </p:spPr>
+        <p:style>
+          <a:lnRef idx="1">
+            <a:schemeClr val="accent1"/>
+          </a:lnRef>
+          <a:fillRef idx="3">
+            <a:schemeClr val="accent1"/>
+          </a:fillRef>
+          <a:effectRef idx="2">
+            <a:schemeClr val="accent1"/>
+          </a:effectRef>
+          <a:fontRef idx="minor">
+            <a:schemeClr val="lt1"/>
+          </a:fontRef>
+        </p:style>
+        <p:txBody>
+          <a:bodyPr rtlCol="0" anchor="ctr"/>
+          <a:lstStyle/>
+          <a:p>
+            <a:pPr algn="ctr"/>
+            <a:endParaRPr lang="en-US"/>
+          </a:p>
+        </p:txBody>
+      </p:sp>
+      <p:cxnSp>
+        <p:nvCxnSpPr>
+          <p:cNvPr id="11" name="Straight Arrow Connector 10"/>
+          <p:cNvCxnSpPr>
+            <a:stCxn id="10" idx="4"/>
+          </p:cNvCxnSpPr>
+          <p:nvPr/>
+        </p:nvCxnSpPr>
+        <p:spPr>
+          <a:xfrm>
+            <a:off x="4495800" y="2445329"/>
+            <a:ext cx="0" cy="1066800"/>
+          </a:xfrm>
+          <a:prstGeom prst="straightConnector1">
+            <a:avLst/>
+          </a:prstGeom>
+          <a:ln>
+            <a:solidFill>
+              <a:srgbClr val="7030A0"/>
+            </a:solidFill>
+            <a:tailEnd type="arrow"/>
+          </a:ln>
+        </p:spPr>
+        <p:style>
+          <a:lnRef idx="2">
+            <a:schemeClr val="accent3"/>
+          </a:lnRef>
+          <a:fillRef idx="0">
+            <a:schemeClr val="accent3"/>
+          </a:fillRef>
+          <a:effectRef idx="1">
+            <a:schemeClr val="accent3"/>
+          </a:effectRef>
+          <a:fontRef idx="minor">
+            <a:schemeClr val="tx1"/>
+          </a:fontRef>
+        </p:style>
+      </p:cxnSp>
+      <p:sp>
+        <p:nvSpPr>
+          <p:cNvPr id="12" name="Oval 11"/>
+          <p:cNvSpPr/>
+          <p:nvPr/>
+        </p:nvSpPr>
+        <p:spPr>
+          <a:xfrm>
+            <a:off x="4267200" y="3498274"/>
+            <a:ext cx="457200" cy="457200"/>
+          </a:xfrm>
+          <a:prstGeom prst="ellipse">
+            <a:avLst/>
+          </a:prstGeom>
+          <a:ln/>
+        </p:spPr>
+        <p:style>
+          <a:lnRef idx="1">
+            <a:schemeClr val="accent1"/>
+          </a:lnRef>
+          <a:fillRef idx="3">
+            <a:schemeClr val="accent1"/>
+          </a:fillRef>
+          <a:effectRef idx="2">
+            <a:schemeClr val="accent1"/>
+          </a:effectRef>
+          <a:fontRef idx="minor">
+            <a:schemeClr val="lt1"/>
+          </a:fontRef>
+        </p:style>
+        <p:txBody>
+          <a:bodyPr rtlCol="0" anchor="ctr"/>
+          <a:lstStyle/>
+          <a:p>
+            <a:pPr algn="ctr"/>
+            <a:endParaRPr lang="en-US"/>
+          </a:p>
+        </p:txBody>
+      </p:sp>
+      <p:sp>
+        <p:nvSpPr>
+          <p:cNvPr id="13" name="Oval 12"/>
+          <p:cNvSpPr/>
+          <p:nvPr/>
+        </p:nvSpPr>
+        <p:spPr>
+          <a:xfrm>
+            <a:off x="5181600" y="1948874"/>
+            <a:ext cx="457200" cy="457200"/>
+          </a:xfrm>
+          <a:prstGeom prst="ellipse">
+            <a:avLst/>
+          </a:prstGeom>
+          <a:ln/>
+        </p:spPr>
+        <p:style>
+          <a:lnRef idx="1">
+            <a:schemeClr val="accent1"/>
+          </a:lnRef>
+          <a:fillRef idx="3">
+            <a:schemeClr val="accent1"/>
+          </a:fillRef>
+          <a:effectRef idx="2">
+            <a:schemeClr val="accent1"/>
+          </a:effectRef>
+          <a:fontRef idx="minor">
+            <a:schemeClr val="lt1"/>
+          </a:fontRef>
+        </p:style>
+        <p:txBody>
+          <a:bodyPr rtlCol="0" anchor="ctr"/>
+          <a:lstStyle/>
+          <a:p>
+            <a:pPr algn="ctr"/>
+            <a:endParaRPr lang="en-US"/>
+          </a:p>
+        </p:txBody>
+      </p:sp>
+      <p:cxnSp>
+        <p:nvCxnSpPr>
+          <p:cNvPr id="14" name="Straight Arrow Connector 13"/>
+          <p:cNvCxnSpPr>
+            <a:stCxn id="13" idx="4"/>
+          </p:cNvCxnSpPr>
+          <p:nvPr/>
+        </p:nvCxnSpPr>
+        <p:spPr>
+          <a:xfrm>
+            <a:off x="5410200" y="2406074"/>
+            <a:ext cx="0" cy="1066800"/>
+          </a:xfrm>
+          <a:prstGeom prst="straightConnector1">
+            <a:avLst/>
+          </a:prstGeom>
+          <a:ln>
+            <a:solidFill>
+              <a:srgbClr val="7030A0"/>
+            </a:solidFill>
+            <a:tailEnd type="arrow"/>
+          </a:ln>
+        </p:spPr>
+        <p:style>
+          <a:lnRef idx="2">
+            <a:schemeClr val="accent3"/>
+          </a:lnRef>
+          <a:fillRef idx="0">
+            <a:schemeClr val="accent3"/>
+          </a:fillRef>
+          <a:effectRef idx="1">
+            <a:schemeClr val="accent3"/>
+          </a:effectRef>
+          <a:fontRef idx="minor">
+            <a:schemeClr val="tx1"/>
+          </a:fontRef>
+        </p:style>
+      </p:cxnSp>
+      <p:sp>
+        <p:nvSpPr>
+          <p:cNvPr id="15" name="Oval 14"/>
+          <p:cNvSpPr/>
+          <p:nvPr/>
+        </p:nvSpPr>
+        <p:spPr>
+          <a:xfrm>
+            <a:off x="5181600" y="3472874"/>
+            <a:ext cx="457200" cy="457200"/>
+          </a:xfrm>
+          <a:prstGeom prst="ellipse">
+            <a:avLst/>
+          </a:prstGeom>
+          <a:ln/>
+        </p:spPr>
+        <p:style>
+          <a:lnRef idx="1">
+            <a:schemeClr val="accent1"/>
+          </a:lnRef>
+          <a:fillRef idx="3">
+            <a:schemeClr val="accent1"/>
+          </a:fillRef>
+          <a:effectRef idx="2">
+            <a:schemeClr val="accent1"/>
+          </a:effectRef>
+          <a:fontRef idx="minor">
+            <a:schemeClr val="lt1"/>
+          </a:fontRef>
+        </p:style>
+        <p:txBody>
+          <a:bodyPr rtlCol="0" anchor="ctr"/>
+          <a:lstStyle/>
+          <a:p>
+            <a:pPr algn="ctr"/>
+            <a:endParaRPr lang="en-US"/>
+          </a:p>
+        </p:txBody>
+      </p:sp>
+      <p:cxnSp>
+        <p:nvCxnSpPr>
+          <p:cNvPr id="16" name="Straight Arrow Connector 15"/>
+          <p:cNvCxnSpPr>
+            <a:stCxn id="7" idx="6"/>
+            <a:endCxn id="10" idx="2"/>
+          </p:cNvCxnSpPr>
+          <p:nvPr/>
+        </p:nvCxnSpPr>
+        <p:spPr>
+          <a:xfrm>
+            <a:off x="3810000" y="2216729"/>
+            <a:ext cx="457200" cy="0"/>
+          </a:xfrm>
+          <a:prstGeom prst="straightConnector1">
+            <a:avLst/>
+          </a:prstGeom>
+          <a:ln>
+            <a:tailEnd type="arrow"/>
+          </a:ln>
+        </p:spPr>
+        <p:style>
+          <a:lnRef idx="2">
+            <a:schemeClr val="accent4"/>
+          </a:lnRef>
+          <a:fillRef idx="0">
+            <a:schemeClr val="accent4"/>
+          </a:fillRef>
+          <a:effectRef idx="1">
+            <a:schemeClr val="accent4"/>
+          </a:effectRef>
+          <a:fontRef idx="minor">
+            <a:schemeClr val="tx1"/>
+          </a:fontRef>
+        </p:style>
+      </p:cxnSp>
+      <p:cxnSp>
+        <p:nvCxnSpPr>
+          <p:cNvPr id="17" name="Straight Arrow Connector 16"/>
+          <p:cNvCxnSpPr/>
+          <p:nvPr/>
+        </p:nvCxnSpPr>
+        <p:spPr>
+          <a:xfrm>
+            <a:off x="4724400" y="2221349"/>
+            <a:ext cx="457200" cy="0"/>
+          </a:xfrm>
+          <a:prstGeom prst="straightConnector1">
+            <a:avLst/>
+          </a:prstGeom>
+          <a:ln>
+            <a:tailEnd type="arrow"/>
+          </a:ln>
+        </p:spPr>
+        <p:style>
+          <a:lnRef idx="2">
+            <a:schemeClr val="accent4"/>
+          </a:lnRef>
+          <a:fillRef idx="0">
+            <a:schemeClr val="accent4"/>
+          </a:fillRef>
+          <a:effectRef idx="1">
+            <a:schemeClr val="accent4"/>
+          </a:effectRef>
+          <a:fontRef idx="minor">
+            <a:schemeClr val="tx1"/>
+          </a:fontRef>
+        </p:style>
+      </p:cxnSp>
+      <p:sp>
+        <p:nvSpPr>
+          <p:cNvPr id="18" name="TextBox 17"/>
+          <p:cNvSpPr txBox="1"/>
+          <p:nvPr/>
+        </p:nvSpPr>
+        <p:spPr>
+          <a:xfrm>
+            <a:off x="2971800" y="1937391"/>
+            <a:ext cx="381000" cy="369332"/>
+          </a:xfrm>
+          <a:prstGeom prst="rect">
+            <a:avLst/>
+          </a:prstGeom>
+          <a:noFill/>
+        </p:spPr>
+        <p:txBody>
+          <a:bodyPr wrap="square" rtlCol="0">
+            <a:spAutoFit/>
+          </a:bodyPr>
+          <a:lstStyle/>
+          <a:p>
+            <a:r>
+              <a:rPr lang="en-US" dirty="0" smtClean="0"/>
+              <a:t>…</a:t>
+            </a:r>
+            <a:endParaRPr lang="en-US" dirty="0"/>
+          </a:p>
+        </p:txBody>
+      </p:sp>
+      <p:sp>
+        <p:nvSpPr>
+          <p:cNvPr id="19" name="TextBox 18"/>
+          <p:cNvSpPr txBox="1"/>
+          <p:nvPr/>
+        </p:nvSpPr>
+        <p:spPr>
+          <a:xfrm>
+            <a:off x="5715000" y="1981200"/>
+            <a:ext cx="381000" cy="369332"/>
+          </a:xfrm>
+          <a:prstGeom prst="rect">
+            <a:avLst/>
+          </a:prstGeom>
+          <a:noFill/>
+        </p:spPr>
+        <p:txBody>
+          <a:bodyPr wrap="square" rtlCol="0">
+            <a:spAutoFit/>
+          </a:bodyPr>
+          <a:lstStyle/>
+          <a:p>
+            <a:r>
+              <a:rPr lang="en-US" dirty="0" smtClean="0"/>
+              <a:t>…</a:t>
+            </a:r>
+            <a:endParaRPr lang="en-US" dirty="0"/>
+          </a:p>
+        </p:txBody>
+      </p:sp>
+      <p:sp>
+        <p:nvSpPr>
+          <p:cNvPr id="20" name="TextBox 19"/>
+          <p:cNvSpPr txBox="1"/>
+          <p:nvPr/>
+        </p:nvSpPr>
+        <p:spPr>
+          <a:xfrm>
+            <a:off x="2971800" y="3516868"/>
+            <a:ext cx="381000" cy="369332"/>
+          </a:xfrm>
+          <a:prstGeom prst="rect">
+            <a:avLst/>
+          </a:prstGeom>
+          <a:noFill/>
+        </p:spPr>
+        <p:txBody>
+          <a:bodyPr wrap="square" rtlCol="0">
+            <a:spAutoFit/>
+          </a:bodyPr>
+          <a:lstStyle/>
+          <a:p>
+            <a:r>
+              <a:rPr lang="en-US" dirty="0" smtClean="0"/>
+              <a:t>…</a:t>
+            </a:r>
+            <a:endParaRPr lang="en-US" dirty="0"/>
+          </a:p>
+        </p:txBody>
+      </p:sp>
+      <p:sp>
+        <p:nvSpPr>
+          <p:cNvPr id="21" name="TextBox 20"/>
+          <p:cNvSpPr txBox="1"/>
+          <p:nvPr/>
+        </p:nvSpPr>
+        <p:spPr>
+          <a:xfrm>
+            <a:off x="5715000" y="3505200"/>
+            <a:ext cx="381000" cy="369332"/>
+          </a:xfrm>
+          <a:prstGeom prst="rect">
+            <a:avLst/>
+          </a:prstGeom>
+          <a:noFill/>
+        </p:spPr>
+        <p:txBody>
+          <a:bodyPr wrap="square" rtlCol="0">
+            <a:spAutoFit/>
+          </a:bodyPr>
+          <a:lstStyle/>
+          <a:p>
+            <a:r>
+              <a:rPr lang="en-US" dirty="0" smtClean="0"/>
+              <a:t>…</a:t>
+            </a:r>
+            <a:endParaRPr lang="en-US" dirty="0"/>
+          </a:p>
+        </p:txBody>
+      </p:sp>
+      <p:sp>
+        <p:nvSpPr>
+          <p:cNvPr id="22" name="TextBox 21"/>
+          <p:cNvSpPr txBox="1"/>
+          <p:nvPr/>
+        </p:nvSpPr>
+        <p:spPr>
+          <a:xfrm>
+            <a:off x="1257300" y="3599997"/>
+            <a:ext cx="381000" cy="369332"/>
+          </a:xfrm>
+          <a:prstGeom prst="rect">
+            <a:avLst/>
+          </a:prstGeom>
+          <a:noFill/>
+        </p:spPr>
+        <p:txBody>
+          <a:bodyPr wrap="square" rtlCol="0">
+            <a:spAutoFit/>
+          </a:bodyPr>
+          <a:lstStyle/>
+          <a:p>
+            <a:r>
+              <a:rPr lang="en-US" b="1" i="1" dirty="0" smtClean="0"/>
+              <a:t>X</a:t>
+            </a:r>
+            <a:endParaRPr lang="en-US" b="1" i="1" dirty="0"/>
+          </a:p>
+        </p:txBody>
+      </p:sp>
+      <p:sp>
+        <p:nvSpPr>
+          <p:cNvPr id="23" name="TextBox 22"/>
+          <p:cNvSpPr txBox="1"/>
+          <p:nvPr/>
+        </p:nvSpPr>
+        <p:spPr>
+          <a:xfrm>
+            <a:off x="1295400" y="1992808"/>
+            <a:ext cx="381000" cy="369332"/>
+          </a:xfrm>
+          <a:prstGeom prst="rect">
+            <a:avLst/>
+          </a:prstGeom>
+          <a:noFill/>
+        </p:spPr>
+        <p:txBody>
+          <a:bodyPr wrap="square" rtlCol="0">
+            <a:spAutoFit/>
+          </a:bodyPr>
+          <a:lstStyle/>
+          <a:p>
+            <a:r>
+              <a:rPr lang="en-US" b="1" i="1" dirty="0" smtClean="0"/>
+              <a:t>Y</a:t>
+            </a:r>
+            <a:endParaRPr lang="en-US" b="1" i="1" dirty="0"/>
+          </a:p>
+        </p:txBody>
+      </p:sp>
+      <p:sp>
+        <p:nvSpPr>
+          <p:cNvPr id="24" name="TextBox 23"/>
+          <p:cNvSpPr txBox="1"/>
+          <p:nvPr/>
+        </p:nvSpPr>
+        <p:spPr>
+          <a:xfrm>
+            <a:off x="2705100" y="2754808"/>
+            <a:ext cx="533400" cy="369332"/>
+          </a:xfrm>
+          <a:prstGeom prst="rect">
+            <a:avLst/>
+          </a:prstGeom>
+          <a:noFill/>
+        </p:spPr>
+        <p:txBody>
+          <a:bodyPr wrap="square" rtlCol="0">
+            <a:spAutoFit/>
+          </a:bodyPr>
+          <a:lstStyle/>
+          <a:p>
+            <a:r>
+              <a:rPr lang="en-US" dirty="0" smtClean="0"/>
+              <a:t>vs.</a:t>
+            </a:r>
+            <a:endParaRPr lang="en-US" dirty="0"/>
+          </a:p>
+        </p:txBody>
+      </p:sp>
+      <p:sp>
+        <p:nvSpPr>
+          <p:cNvPr id="25" name="Rectangle 24"/>
+          <p:cNvSpPr/>
+          <p:nvPr/>
+        </p:nvSpPr>
+        <p:spPr>
+          <a:xfrm>
+            <a:off x="1574800" y="1905000"/>
+            <a:ext cx="1041400" cy="2133600"/>
+          </a:xfrm>
+          <a:prstGeom prst="rect">
+            <a:avLst/>
+          </a:prstGeom>
+          <a:noFill/>
+          <a:ln>
+            <a:solidFill>
+              <a:srgbClr val="00B050">
+                <a:alpha val="50000"/>
+              </a:srgbClr>
+            </a:solidFill>
+          </a:ln>
+        </p:spPr>
+        <p:style>
+          <a:lnRef idx="2">
+            <a:schemeClr val="accent1">
+              <a:shade val="50000"/>
+            </a:schemeClr>
+          </a:lnRef>
+          <a:fillRef idx="1">
+            <a:schemeClr val="accent1"/>
+          </a:fillRef>
+          <a:effectRef idx="0">
+            <a:schemeClr val="accent1"/>
+          </a:effectRef>
+          <a:fontRef idx="minor">
+            <a:schemeClr val="lt1"/>
+          </a:fontRef>
+        </p:style>
+        <p:txBody>
+          <a:bodyPr rtlCol="0" anchor="ctr"/>
+          <a:lstStyle/>
+          <a:p>
+            <a:pPr algn="ctr"/>
+            <a:endParaRPr lang="en-US"/>
+          </a:p>
+        </p:txBody>
+      </p:sp>
+      <p:sp>
+        <p:nvSpPr>
+          <p:cNvPr id="26" name="TextBox 25"/>
+          <p:cNvSpPr txBox="1"/>
+          <p:nvPr/>
+        </p:nvSpPr>
+        <p:spPr>
+          <a:xfrm>
+            <a:off x="2286000" y="3599997"/>
+            <a:ext cx="431800" cy="369332"/>
+          </a:xfrm>
+          <a:prstGeom prst="rect">
+            <a:avLst/>
+          </a:prstGeom>
+          <a:noFill/>
+        </p:spPr>
+        <p:txBody>
+          <a:bodyPr wrap="square" rtlCol="0">
+            <a:spAutoFit/>
+          </a:bodyPr>
+          <a:lstStyle/>
+          <a:p>
+            <a:r>
+              <a:rPr lang="en-US" i="1" dirty="0" smtClean="0"/>
+              <a:t>N</a:t>
+            </a:r>
+            <a:endParaRPr lang="en-US" i="1" dirty="0"/>
+          </a:p>
+        </p:txBody>
+      </p:sp>
+    </p:spTree>
+    <p:extLst>
+      <p:ext uri="{BB962C8B-B14F-4D97-AF65-F5344CB8AC3E}">
+        <p14:creationId xmlns:p14="http://schemas.microsoft.com/office/powerpoint/2010/main" val="2551692360"/>
       </p:ext>
     </p:extLst>
   </p:cSld>
